--- a/Project1_YoshieHara.pptx
+++ b/Project1_YoshieHara.pptx
@@ -4578,7 +4578,7 @@
         </p:blipFill>
         <p:spPr>
           <a:xfrm>
-            <a:off x="1563880" y="2113479"/>
+            <a:off x="5065363" y="2078405"/>
             <a:ext cx="4968858" cy="3590707"/>
           </a:xfrm>
           <a:prstGeom prst="rect">
@@ -4586,528 +4586,36 @@
           </a:prstGeom>
         </p:spPr>
       </p:pic>
-      <p:graphicFrame>
-        <p:nvGraphicFramePr>
-          <p:cNvPr id="8" name="Table 7">
-            <a:extLst>
-              <a:ext uri="{FF2B5EF4-FFF2-40B4-BE49-F238E27FC236}">
-                <a16:creationId xmlns:a16="http://schemas.microsoft.com/office/drawing/2014/main" id="{C19FB908-62D0-2115-94CD-B987DC74D9C1}"/>
-              </a:ext>
-            </a:extLst>
-          </p:cNvPr>
-          <p:cNvGraphicFramePr>
-            <a:graphicFrameLocks noGrp="1"/>
-          </p:cNvGraphicFramePr>
-          <p:nvPr>
-            <p:extLst>
-              <p:ext uri="{D42A27DB-BD31-4B8C-83A1-F6EECF244321}">
-                <p14:modId xmlns:p14="http://schemas.microsoft.com/office/powerpoint/2010/main" val="2351792370"/>
-              </p:ext>
-            </p:extLst>
-          </p:nvPr>
-        </p:nvGraphicFramePr>
-        <p:xfrm>
-          <a:off x="6987982" y="2460701"/>
-          <a:ext cx="3640138" cy="2879574"/>
-        </p:xfrm>
-        <a:graphic>
-          <a:graphicData uri="http://schemas.openxmlformats.org/drawingml/2006/table">
-            <a:tbl>
-              <a:tblPr firstRow="1" bandRow="1">
-                <a:tableStyleId>{93296810-A885-4BE3-A3E7-6D5BEEA58F35}</a:tableStyleId>
-              </a:tblPr>
-              <a:tblGrid>
-                <a:gridCol w="1820069">
-                  <a:extLst>
-                    <a:ext uri="{9D8B030D-6E8A-4147-A177-3AD203B41FA5}">
-                      <a16:colId xmlns:a16="http://schemas.microsoft.com/office/drawing/2014/main" val="768786227"/>
-                    </a:ext>
-                  </a:extLst>
-                </a:gridCol>
-                <a:gridCol w="1820069">
-                  <a:extLst>
-                    <a:ext uri="{9D8B030D-6E8A-4147-A177-3AD203B41FA5}">
-                      <a16:colId xmlns:a16="http://schemas.microsoft.com/office/drawing/2014/main" val="2711461909"/>
-                    </a:ext>
-                  </a:extLst>
-                </a:gridCol>
-              </a:tblGrid>
-              <a:tr h="370840">
-                <a:tc>
-                  <a:txBody>
-                    <a:bodyPr/>
-                    <a:lstStyle/>
-                    <a:p>
-                      <a:pPr algn="ctr" rtl="0" fontAlgn="ctr"/>
-                      <a:r>
-                        <a:rPr lang="en-AU" sz="1600" b="0" u="none" strike="noStrike" dirty="0">
-                          <a:solidFill>
-                            <a:srgbClr val="000000"/>
-                          </a:solidFill>
-                          <a:effectLst/>
-                        </a:rPr>
-                        <a:t>date</a:t>
-                      </a:r>
-                      <a:endParaRPr lang="en-AU" sz="1600" b="0" i="0" u="none" strike="noStrike" dirty="0">
-                        <a:solidFill>
-                          <a:srgbClr val="000000"/>
-                        </a:solidFill>
-                        <a:effectLst/>
-                        <a:latin typeface="+mn-lt"/>
-                      </a:endParaRPr>
-                    </a:p>
-                  </a:txBody>
-                  <a:tcPr marL="9525" marR="9525" marT="9525" marB="0" anchor="ctr"/>
-                </a:tc>
-                <a:tc>
-                  <a:txBody>
-                    <a:bodyPr/>
-                    <a:lstStyle/>
-                    <a:p>
-                      <a:pPr algn="ctr" fontAlgn="b"/>
-                      <a:r>
-                        <a:rPr lang="en-AU" sz="1600" b="0" u="none" strike="noStrike" dirty="0">
-                          <a:solidFill>
-                            <a:srgbClr val="000000"/>
-                          </a:solidFill>
-                          <a:effectLst/>
-                        </a:rPr>
-                        <a:t>cases</a:t>
-                      </a:r>
-                      <a:endParaRPr lang="en-AU" sz="1600" b="0" i="0" u="none" strike="noStrike" dirty="0">
-                        <a:solidFill>
-                          <a:srgbClr val="000000"/>
-                        </a:solidFill>
-                        <a:effectLst/>
-                        <a:latin typeface="+mn-lt"/>
-                      </a:endParaRPr>
-                    </a:p>
-                  </a:txBody>
-                  <a:tcPr marL="9525" marR="9525" marT="9525" marB="0" anchor="b"/>
-                </a:tc>
-                <a:extLst>
-                  <a:ext uri="{0D108BD9-81ED-4DB2-BD59-A6C34878D82A}">
-                    <a16:rowId xmlns:a16="http://schemas.microsoft.com/office/drawing/2014/main" val="2638689524"/>
-                  </a:ext>
-                </a:extLst>
-              </a:tr>
-              <a:tr h="370840">
-                <a:tc>
-                  <a:txBody>
-                    <a:bodyPr/>
-                    <a:lstStyle/>
-                    <a:p>
-                      <a:pPr algn="ctr" rtl="0" fontAlgn="ctr"/>
-                      <a:r>
-                        <a:rPr lang="en-AU" sz="1600" b="0" u="none" strike="noStrike" dirty="0">
-                          <a:solidFill>
-                            <a:srgbClr val="000000"/>
-                          </a:solidFill>
-                          <a:effectLst/>
-                        </a:rPr>
-                        <a:t>1/1/2022</a:t>
-                      </a:r>
-                      <a:endParaRPr lang="en-AU" sz="1600" b="0" i="0" u="none" strike="noStrike" dirty="0">
-                        <a:solidFill>
-                          <a:srgbClr val="000000"/>
-                        </a:solidFill>
-                        <a:effectLst/>
-                        <a:latin typeface="+mn-lt"/>
-                      </a:endParaRPr>
-                    </a:p>
-                  </a:txBody>
-                  <a:tcPr marL="9525" marR="9525" marT="9525" marB="0" anchor="ctr"/>
-                </a:tc>
-                <a:tc>
-                  <a:txBody>
-                    <a:bodyPr/>
-                    <a:lstStyle/>
-                    <a:p>
-                      <a:pPr algn="ctr" fontAlgn="b"/>
-                      <a:r>
-                        <a:rPr lang="en-AU" sz="1600" b="0" u="none" strike="noStrike">
-                          <a:solidFill>
-                            <a:srgbClr val="000000"/>
-                          </a:solidFill>
-                          <a:effectLst/>
-                        </a:rPr>
-                        <a:t>462955</a:t>
-                      </a:r>
-                      <a:endParaRPr lang="en-AU" sz="1600" b="0" i="0" u="none" strike="noStrike">
-                        <a:solidFill>
-                          <a:srgbClr val="000000"/>
-                        </a:solidFill>
-                        <a:effectLst/>
-                        <a:latin typeface="+mn-lt"/>
-                      </a:endParaRPr>
-                    </a:p>
-                  </a:txBody>
-                  <a:tcPr marL="9525" marR="9525" marT="9525" marB="0" anchor="b"/>
-                </a:tc>
-                <a:extLst>
-                  <a:ext uri="{0D108BD9-81ED-4DB2-BD59-A6C34878D82A}">
-                    <a16:rowId xmlns:a16="http://schemas.microsoft.com/office/drawing/2014/main" val="249813745"/>
-                  </a:ext>
-                </a:extLst>
-              </a:tr>
-              <a:tr h="370840">
-                <a:tc>
-                  <a:txBody>
-                    <a:bodyPr/>
-                    <a:lstStyle/>
-                    <a:p>
-                      <a:pPr algn="ctr" rtl="0" fontAlgn="ctr"/>
-                      <a:r>
-                        <a:rPr lang="en-AU" sz="1600" b="0" u="none" strike="noStrike" dirty="0">
-                          <a:solidFill>
-                            <a:srgbClr val="000000"/>
-                          </a:solidFill>
-                          <a:effectLst/>
-                        </a:rPr>
-                        <a:t>2/1/2022</a:t>
-                      </a:r>
-                      <a:endParaRPr lang="en-AU" sz="1600" b="0" i="0" u="none" strike="noStrike" dirty="0">
-                        <a:solidFill>
-                          <a:srgbClr val="000000"/>
-                        </a:solidFill>
-                        <a:effectLst/>
-                        <a:latin typeface="+mn-lt"/>
-                      </a:endParaRPr>
-                    </a:p>
-                  </a:txBody>
-                  <a:tcPr marL="9525" marR="9525" marT="9525" marB="0" anchor="ctr"/>
-                </a:tc>
-                <a:tc>
-                  <a:txBody>
-                    <a:bodyPr/>
-                    <a:lstStyle/>
-                    <a:p>
-                      <a:pPr algn="ctr" fontAlgn="b"/>
-                      <a:r>
-                        <a:rPr lang="en-AU" sz="1600" b="0" u="none" strike="noStrike" dirty="0">
-                          <a:solidFill>
-                            <a:srgbClr val="000000"/>
-                          </a:solidFill>
-                          <a:effectLst/>
-                        </a:rPr>
-                        <a:t>492563</a:t>
-                      </a:r>
-                      <a:endParaRPr lang="en-AU" sz="1600" b="0" i="0" u="none" strike="noStrike" dirty="0">
-                        <a:solidFill>
-                          <a:srgbClr val="000000"/>
-                        </a:solidFill>
-                        <a:effectLst/>
-                        <a:latin typeface="+mn-lt"/>
-                      </a:endParaRPr>
-                    </a:p>
-                  </a:txBody>
-                  <a:tcPr marL="9525" marR="9525" marT="9525" marB="0" anchor="b"/>
-                </a:tc>
-                <a:extLst>
-                  <a:ext uri="{0D108BD9-81ED-4DB2-BD59-A6C34878D82A}">
-                    <a16:rowId xmlns:a16="http://schemas.microsoft.com/office/drawing/2014/main" val="2729908655"/>
-                  </a:ext>
-                </a:extLst>
-              </a:tr>
-              <a:tr h="283694">
-                <a:tc>
-                  <a:txBody>
-                    <a:bodyPr/>
-                    <a:lstStyle/>
-                    <a:p>
-                      <a:pPr algn="ctr" rtl="0" fontAlgn="ctr"/>
-                      <a:r>
-                        <a:rPr lang="en-AU" sz="1600" b="0" u="none" strike="noStrike" dirty="0">
-                          <a:solidFill>
-                            <a:srgbClr val="000000"/>
-                          </a:solidFill>
-                          <a:effectLst/>
-                        </a:rPr>
-                        <a:t>3/1/2022</a:t>
-                      </a:r>
-                      <a:endParaRPr lang="en-AU" sz="1600" b="0" i="0" u="none" strike="noStrike" dirty="0">
-                        <a:solidFill>
-                          <a:srgbClr val="000000"/>
-                        </a:solidFill>
-                        <a:effectLst/>
-                        <a:latin typeface="+mn-lt"/>
-                      </a:endParaRPr>
-                    </a:p>
-                  </a:txBody>
-                  <a:tcPr marL="9525" marR="9525" marT="9525" marB="0" anchor="ctr"/>
-                </a:tc>
-                <a:tc>
-                  <a:txBody>
-                    <a:bodyPr/>
-                    <a:lstStyle/>
-                    <a:p>
-                      <a:pPr algn="ctr" fontAlgn="b"/>
-                      <a:r>
-                        <a:rPr lang="en-AU" sz="1600" b="0" u="none" strike="noStrike" dirty="0">
-                          <a:solidFill>
-                            <a:srgbClr val="000000"/>
-                          </a:solidFill>
-                          <a:effectLst/>
-                        </a:rPr>
-                        <a:t>537308</a:t>
-                      </a:r>
-                      <a:endParaRPr lang="en-AU" sz="1600" b="0" i="0" u="none" strike="noStrike" dirty="0">
-                        <a:solidFill>
-                          <a:srgbClr val="000000"/>
-                        </a:solidFill>
-                        <a:effectLst/>
-                        <a:latin typeface="+mn-lt"/>
-                      </a:endParaRPr>
-                    </a:p>
-                  </a:txBody>
-                  <a:tcPr marL="9525" marR="9525" marT="9525" marB="0" anchor="b"/>
-                </a:tc>
-                <a:extLst>
-                  <a:ext uri="{0D108BD9-81ED-4DB2-BD59-A6C34878D82A}">
-                    <a16:rowId xmlns:a16="http://schemas.microsoft.com/office/drawing/2014/main" val="2380630094"/>
-                  </a:ext>
-                </a:extLst>
-              </a:tr>
-              <a:tr h="370840">
-                <a:tc>
-                  <a:txBody>
-                    <a:bodyPr/>
-                    <a:lstStyle/>
-                    <a:p>
-                      <a:pPr algn="ctr" rtl="0" fontAlgn="ctr"/>
-                      <a:r>
-                        <a:rPr lang="en-AU" sz="1600" b="0" u="none" strike="noStrike" dirty="0">
-                          <a:solidFill>
-                            <a:srgbClr val="000000"/>
-                          </a:solidFill>
-                          <a:effectLst/>
-                        </a:rPr>
-                        <a:t>4/1/2022</a:t>
-                      </a:r>
-                      <a:endParaRPr lang="en-AU" sz="1600" b="0" i="0" u="none" strike="noStrike" dirty="0">
-                        <a:solidFill>
-                          <a:srgbClr val="000000"/>
-                        </a:solidFill>
-                        <a:effectLst/>
-                        <a:latin typeface="+mn-lt"/>
-                      </a:endParaRPr>
-                    </a:p>
-                  </a:txBody>
-                  <a:tcPr marL="9525" marR="9525" marT="9525" marB="0" anchor="ctr"/>
-                </a:tc>
-                <a:tc>
-                  <a:txBody>
-                    <a:bodyPr/>
-                    <a:lstStyle/>
-                    <a:p>
-                      <a:pPr algn="ctr" fontAlgn="b"/>
-                      <a:r>
-                        <a:rPr lang="en-AU" sz="1600" b="0" u="none" strike="noStrike" dirty="0">
-                          <a:solidFill>
-                            <a:srgbClr val="000000"/>
-                          </a:solidFill>
-                          <a:effectLst/>
-                        </a:rPr>
-                        <a:t>608803</a:t>
-                      </a:r>
-                      <a:endParaRPr lang="en-AU" sz="1600" b="0" i="0" u="none" strike="noStrike" dirty="0">
-                        <a:solidFill>
-                          <a:srgbClr val="000000"/>
-                        </a:solidFill>
-                        <a:effectLst/>
-                        <a:latin typeface="+mn-lt"/>
-                      </a:endParaRPr>
-                    </a:p>
-                  </a:txBody>
-                  <a:tcPr marL="9525" marR="9525" marT="9525" marB="0" anchor="b"/>
-                </a:tc>
-                <a:extLst>
-                  <a:ext uri="{0D108BD9-81ED-4DB2-BD59-A6C34878D82A}">
-                    <a16:rowId xmlns:a16="http://schemas.microsoft.com/office/drawing/2014/main" val="705064091"/>
-                  </a:ext>
-                </a:extLst>
-              </a:tr>
-              <a:tr h="370840">
-                <a:tc>
-                  <a:txBody>
-                    <a:bodyPr/>
-                    <a:lstStyle/>
-                    <a:p>
-                      <a:pPr algn="ctr" rtl="0" fontAlgn="ctr"/>
-                      <a:r>
-                        <a:rPr lang="en-AU" sz="1600" b="0" u="none" strike="noStrike">
-                          <a:solidFill>
-                            <a:srgbClr val="000000"/>
-                          </a:solidFill>
-                          <a:effectLst/>
-                        </a:rPr>
-                        <a:t>5/1/2022</a:t>
-                      </a:r>
-                      <a:endParaRPr lang="en-AU" sz="1600" b="0" i="0" u="none" strike="noStrike">
-                        <a:solidFill>
-                          <a:srgbClr val="000000"/>
-                        </a:solidFill>
-                        <a:effectLst/>
-                        <a:latin typeface="+mn-lt"/>
-                      </a:endParaRPr>
-                    </a:p>
-                  </a:txBody>
-                  <a:tcPr marL="9525" marR="9525" marT="9525" marB="0" anchor="ctr"/>
-                </a:tc>
-                <a:tc>
-                  <a:txBody>
-                    <a:bodyPr/>
-                    <a:lstStyle/>
-                    <a:p>
-                      <a:pPr algn="ctr" fontAlgn="b"/>
-                      <a:r>
-                        <a:rPr lang="en-AU" sz="1600" b="0" u="none" strike="noStrike" dirty="0">
-                          <a:solidFill>
-                            <a:srgbClr val="000000"/>
-                          </a:solidFill>
-                          <a:effectLst/>
-                        </a:rPr>
-                        <a:t>684229</a:t>
-                      </a:r>
-                      <a:endParaRPr lang="en-AU" sz="1600" b="0" i="0" u="none" strike="noStrike" dirty="0">
-                        <a:solidFill>
-                          <a:srgbClr val="000000"/>
-                        </a:solidFill>
-                        <a:effectLst/>
-                        <a:latin typeface="+mn-lt"/>
-                      </a:endParaRPr>
-                    </a:p>
-                  </a:txBody>
-                  <a:tcPr marL="9525" marR="9525" marT="9525" marB="0" anchor="b"/>
-                </a:tc>
-                <a:extLst>
-                  <a:ext uri="{0D108BD9-81ED-4DB2-BD59-A6C34878D82A}">
-                    <a16:rowId xmlns:a16="http://schemas.microsoft.com/office/drawing/2014/main" val="61715416"/>
-                  </a:ext>
-                </a:extLst>
-              </a:tr>
-              <a:tr h="370840">
-                <a:tc>
-                  <a:txBody>
-                    <a:bodyPr/>
-                    <a:lstStyle/>
-                    <a:p>
-                      <a:pPr algn="ctr" rtl="0" fontAlgn="ctr"/>
-                      <a:r>
-                        <a:rPr lang="en-AU" sz="1600" b="0" u="none" strike="noStrike">
-                          <a:solidFill>
-                            <a:srgbClr val="000000"/>
-                          </a:solidFill>
-                          <a:effectLst/>
-                        </a:rPr>
-                        <a:t>6/1/2022</a:t>
-                      </a:r>
-                      <a:endParaRPr lang="en-AU" sz="1600" b="0" i="0" u="none" strike="noStrike">
-                        <a:solidFill>
-                          <a:srgbClr val="000000"/>
-                        </a:solidFill>
-                        <a:effectLst/>
-                        <a:latin typeface="+mn-lt"/>
-                      </a:endParaRPr>
-                    </a:p>
-                  </a:txBody>
-                  <a:tcPr marL="9525" marR="9525" marT="9525" marB="0" anchor="ctr"/>
-                </a:tc>
-                <a:tc>
-                  <a:txBody>
-                    <a:bodyPr/>
-                    <a:lstStyle/>
-                    <a:p>
-                      <a:pPr algn="ctr" fontAlgn="b"/>
-                      <a:r>
-                        <a:rPr lang="en-AU" sz="1600" b="0" u="none" strike="noStrike" dirty="0">
-                          <a:solidFill>
-                            <a:srgbClr val="000000"/>
-                          </a:solidFill>
-                          <a:effectLst/>
-                        </a:rPr>
-                        <a:t>762458</a:t>
-                      </a:r>
-                      <a:endParaRPr lang="en-AU" sz="1600" b="0" i="0" u="none" strike="noStrike" dirty="0">
-                        <a:solidFill>
-                          <a:srgbClr val="000000"/>
-                        </a:solidFill>
-                        <a:effectLst/>
-                        <a:latin typeface="+mn-lt"/>
-                      </a:endParaRPr>
-                    </a:p>
-                  </a:txBody>
-                  <a:tcPr marL="9525" marR="9525" marT="9525" marB="0" anchor="b"/>
-                </a:tc>
-                <a:extLst>
-                  <a:ext uri="{0D108BD9-81ED-4DB2-BD59-A6C34878D82A}">
-                    <a16:rowId xmlns:a16="http://schemas.microsoft.com/office/drawing/2014/main" val="532741815"/>
-                  </a:ext>
-                </a:extLst>
-              </a:tr>
-              <a:tr h="370840">
-                <a:tc>
-                  <a:txBody>
-                    <a:bodyPr/>
-                    <a:lstStyle/>
-                    <a:p>
-                      <a:pPr algn="ctr" rtl="0" fontAlgn="ctr"/>
-                      <a:r>
-                        <a:rPr lang="en-AU" sz="1600" b="0" u="none" strike="noStrike">
-                          <a:solidFill>
-                            <a:srgbClr val="000000"/>
-                          </a:solidFill>
-                          <a:effectLst/>
-                        </a:rPr>
-                        <a:t>7/1/2022</a:t>
-                      </a:r>
-                      <a:endParaRPr lang="en-AU" sz="1600" b="0" i="0" u="none" strike="noStrike">
-                        <a:solidFill>
-                          <a:srgbClr val="000000"/>
-                        </a:solidFill>
-                        <a:effectLst/>
-                        <a:latin typeface="+mn-lt"/>
-                      </a:endParaRPr>
-                    </a:p>
-                  </a:txBody>
-                  <a:tcPr marL="9525" marR="9525" marT="9525" marB="0" anchor="ctr"/>
-                </a:tc>
-                <a:tc>
-                  <a:txBody>
-                    <a:bodyPr/>
-                    <a:lstStyle/>
-                    <a:p>
-                      <a:pPr algn="ctr" fontAlgn="b"/>
-                      <a:r>
-                        <a:rPr lang="en-AU" sz="1600" b="0" u="none" strike="noStrike" dirty="0">
-                          <a:solidFill>
-                            <a:srgbClr val="000000"/>
-                          </a:solidFill>
-                          <a:effectLst/>
-                        </a:rPr>
-                        <a:t>860550</a:t>
-                      </a:r>
-                      <a:endParaRPr lang="en-AU" sz="1600" b="0" i="0" u="none" strike="noStrike" dirty="0">
-                        <a:solidFill>
-                          <a:srgbClr val="000000"/>
-                        </a:solidFill>
-                        <a:effectLst/>
-                        <a:latin typeface="+mn-lt"/>
-                      </a:endParaRPr>
-                    </a:p>
-                  </a:txBody>
-                  <a:tcPr marL="9525" marR="9525" marT="9525" marB="0" anchor="b"/>
-                </a:tc>
-                <a:extLst>
-                  <a:ext uri="{0D108BD9-81ED-4DB2-BD59-A6C34878D82A}">
-                    <a16:rowId xmlns:a16="http://schemas.microsoft.com/office/drawing/2014/main" val="380396441"/>
-                  </a:ext>
-                </a:extLst>
-              </a:tr>
-            </a:tbl>
-          </a:graphicData>
-        </a:graphic>
-      </p:graphicFrame>
+      <p:pic>
+        <p:nvPicPr>
+          <p:cNvPr id="6" name="Picture 5">
+            <a:extLst>
+              <a:ext uri="{FF2B5EF4-FFF2-40B4-BE49-F238E27FC236}">
+                <a16:creationId xmlns:a16="http://schemas.microsoft.com/office/drawing/2014/main" id="{AF33ADAB-16A4-2552-4C45-CB8CE71776D4}"/>
+              </a:ext>
+            </a:extLst>
+          </p:cNvPr>
+          <p:cNvPicPr>
+            <a:picLocks noChangeAspect="1"/>
+          </p:cNvPicPr>
+          <p:nvPr/>
+        </p:nvPicPr>
+        <p:blipFill>
+          <a:blip r:embed="rId4"/>
+          <a:stretch>
+            <a:fillRect/>
+          </a:stretch>
+        </p:blipFill>
+        <p:spPr>
+          <a:xfrm>
+            <a:off x="1119614" y="2611088"/>
+            <a:ext cx="3006338" cy="2191717"/>
+          </a:xfrm>
+          <a:prstGeom prst="rect">
+            <a:avLst/>
+          </a:prstGeom>
+        </p:spPr>
+      </p:pic>
     </p:spTree>
     <p:extLst>
       <p:ext uri="{BB962C8B-B14F-4D97-AF65-F5344CB8AC3E}">

--- a/Project1_YoshieHara.pptx
+++ b/Project1_YoshieHara.pptx
@@ -5081,13 +5081,13 @@
           <a:lstStyle/>
           <a:p>
             <a:r>
-              <a:rPr lang="en-US" sz="3600" b="1" dirty="0">
+              <a:rPr lang="en-US" sz="3200" b="1" dirty="0">
                 <a:solidFill>
                   <a:schemeClr val="bg1"/>
                 </a:solidFill>
                 <a:latin typeface="+mn-lt"/>
               </a:rPr>
-              <a:t>Analysis of Australia: Daily Confirmed Cases (Province)</a:t>
+              <a:t>Analysis of Australia: Daily Confirmed / Death Cases (Province)</a:t>
             </a:r>
           </a:p>
         </p:txBody>
@@ -5127,25 +5127,7 @@
                 </a:solidFill>
                 <a:effectLst/>
               </a:rPr>
-              <a:t>New South </a:t>
-            </a:r>
-            <a:r>
-              <a:rPr lang="en-AU" sz="1800" b="0" i="0">
-                <a:solidFill>
-                  <a:schemeClr val="bg1"/>
-                </a:solidFill>
-                <a:effectLst/>
-              </a:rPr>
-              <a:t>Wales exhibits </a:t>
-            </a:r>
-            <a:r>
-              <a:rPr lang="en-AU" sz="1800" b="0" i="0" dirty="0">
-                <a:solidFill>
-                  <a:schemeClr val="bg1"/>
-                </a:solidFill>
-                <a:effectLst/>
-              </a:rPr>
-              <a:t>the highest confirmed cases, contributing significantly to the overall caseload.</a:t>
+              <a:t>New South Wales exhibits the highest confirmed cases, contributing significantly to the overall caseload.</a:t>
             </a:r>
           </a:p>
           <a:p>
@@ -5716,10 +5698,6 @@
           </a:bodyPr>
           <a:lstStyle/>
           <a:p>
-            <a:pPr algn="l">
-              <a:buFont typeface="+mj-lt"/>
-              <a:buAutoNum type="arabicPeriod"/>
-            </a:pPr>
             <a:r>
               <a:rPr lang="en-AU" sz="1400" b="0" i="0" dirty="0">
                 <a:solidFill>
@@ -5732,10 +5710,6 @@
             </a:r>
           </a:p>
           <a:p>
-            <a:pPr algn="l">
-              <a:buFont typeface="+mj-lt"/>
-              <a:buAutoNum type="arabicPeriod"/>
-            </a:pPr>
             <a:r>
               <a:rPr lang="en-AU" sz="1400" b="0" i="0" dirty="0">
                 <a:solidFill>
@@ -6148,10 +6122,6 @@
           </a:bodyPr>
           <a:lstStyle/>
           <a:p>
-            <a:pPr algn="l">
-              <a:buFont typeface="+mj-lt"/>
-              <a:buAutoNum type="arabicPeriod"/>
-            </a:pPr>
             <a:r>
               <a:rPr lang="en-AU" sz="6400" b="0" i="0" dirty="0">
                 <a:solidFill>
@@ -6164,10 +6134,6 @@
             </a:r>
           </a:p>
           <a:p>
-            <a:pPr algn="l">
-              <a:buFont typeface="+mj-lt"/>
-              <a:buAutoNum type="arabicPeriod"/>
-            </a:pPr>
             <a:r>
               <a:rPr lang="en-AU" sz="6400" b="0" i="0" dirty="0">
                 <a:solidFill>
